--- a/毕设/开题报告.pptx
+++ b/毕设/开题报告.pptx
@@ -5,7 +5,7 @@
     <p:sldMasterId id="2147483678" r:id="rId1"/>
   </p:sldMasterIdLst>
   <p:notesMasterIdLst>
-    <p:notesMasterId r:id="rId13"/>
+    <p:notesMasterId r:id="rId14"/>
   </p:notesMasterIdLst>
   <p:sldIdLst>
     <p:sldId id="256" r:id="rId2"/>
@@ -17,8 +17,9 @@
     <p:sldId id="262" r:id="rId8"/>
     <p:sldId id="263" r:id="rId9"/>
     <p:sldId id="264" r:id="rId10"/>
-    <p:sldId id="265" r:id="rId11"/>
-    <p:sldId id="266" r:id="rId12"/>
+    <p:sldId id="267" r:id="rId11"/>
+    <p:sldId id="265" r:id="rId12"/>
+    <p:sldId id="266" r:id="rId13"/>
   </p:sldIdLst>
   <p:sldSz cx="12192000" cy="6858000"/>
   <p:notesSz cx="6858000" cy="9144000"/>
@@ -207,7 +208,7 @@
           <a:p>
             <a:fld id="{B1D1A303-F8D0-4D6A-AA63-39FD388B2056}" type="datetimeFigureOut">
               <a:rPr lang="zh-CN" altLang="en-US" smtClean="0"/>
-              <a:t>2017/4/23</a:t>
+              <a:t>2017/4/25</a:t>
             </a:fld>
             <a:endParaRPr lang="zh-CN" altLang="en-US"/>
           </a:p>
@@ -519,99 +520,7 @@
           <a:bodyPr/>
           <a:lstStyle/>
           <a:p>
-            <a:pPr marL="0" marR="0" indent="0" algn="l" defTabSz="914400" rtl="0" eaLnBrk="1" fontAlgn="auto" latinLnBrk="0" hangingPunct="1">
-              <a:lnSpc>
-                <a:spcPct val="100000"/>
-              </a:lnSpc>
-              <a:spcBef>
-                <a:spcPts val="0"/>
-              </a:spcBef>
-              <a:spcAft>
-                <a:spcPts val="0"/>
-              </a:spcAft>
-              <a:buClrTx/>
-              <a:buSzTx/>
-              <a:buFontTx/>
-              <a:buNone/>
-              <a:tabLst/>
-              <a:defRPr/>
-            </a:pPr>
-            <a:r>
-              <a:rPr lang="zh-CN" altLang="zh-CN" sz="1200" kern="1200" dirty="0" smtClean="0">
-                <a:solidFill>
-                  <a:schemeClr val="tx1"/>
-                </a:solidFill>
-                <a:effectLst/>
-                <a:latin typeface="+mn-lt"/>
-                <a:ea typeface="+mn-ea"/>
-                <a:cs typeface="+mn-cs"/>
-              </a:rPr>
-              <a:t>设计并实现基于</a:t>
-            </a:r>
-            <a:r>
-              <a:rPr lang="en-US" altLang="zh-CN" sz="1200" kern="1200" dirty="0" smtClean="0">
-                <a:solidFill>
-                  <a:schemeClr val="tx1"/>
-                </a:solidFill>
-                <a:effectLst/>
-                <a:latin typeface="+mn-lt"/>
-                <a:ea typeface="+mn-ea"/>
-                <a:cs typeface="+mn-cs"/>
-              </a:rPr>
-              <a:t>Spark</a:t>
-            </a:r>
-            <a:r>
-              <a:rPr lang="zh-CN" altLang="zh-CN" sz="1200" kern="1200" dirty="0" smtClean="0">
-                <a:solidFill>
-                  <a:schemeClr val="tx1"/>
-                </a:solidFill>
-                <a:effectLst/>
-                <a:latin typeface="+mn-lt"/>
-                <a:ea typeface="+mn-ea"/>
-                <a:cs typeface="+mn-cs"/>
-              </a:rPr>
-              <a:t>的日志分析系统，针对不同信息系统所产生的日志记录提供一个通用的日志分析系统，通过现有机器学习方法进行大数据分析，以可视化的方法将分析结果展现出来，并能够根据用户需求调整结果的展现形式。</a:t>
-            </a:r>
-            <a:endParaRPr lang="en-US" altLang="zh-CN" sz="1200" kern="1200" dirty="0" smtClean="0">
-              <a:solidFill>
-                <a:schemeClr val="tx1"/>
-              </a:solidFill>
-              <a:effectLst/>
-              <a:latin typeface="+mn-lt"/>
-              <a:ea typeface="+mn-ea"/>
-              <a:cs typeface="+mn-cs"/>
-            </a:endParaRPr>
-          </a:p>
-          <a:p>
-            <a:pPr marL="0" marR="0" indent="0" algn="l" defTabSz="914400" rtl="0" eaLnBrk="1" fontAlgn="auto" latinLnBrk="0" hangingPunct="1">
-              <a:lnSpc>
-                <a:spcPct val="100000"/>
-              </a:lnSpc>
-              <a:spcBef>
-                <a:spcPts val="0"/>
-              </a:spcBef>
-              <a:spcAft>
-                <a:spcPts val="0"/>
-              </a:spcAft>
-              <a:buClrTx/>
-              <a:buSzTx/>
-              <a:buFontTx/>
-              <a:buNone/>
-              <a:tabLst/>
-              <a:defRPr/>
-            </a:pPr>
-            <a:r>
-              <a:rPr lang="zh-CN" altLang="zh-CN" sz="1200" kern="1200" dirty="0" smtClean="0">
-                <a:solidFill>
-                  <a:schemeClr val="tx1"/>
-                </a:solidFill>
-                <a:effectLst/>
-                <a:latin typeface="+mn-lt"/>
-                <a:ea typeface="+mn-ea"/>
-                <a:cs typeface="+mn-cs"/>
-              </a:rPr>
-              <a:t>获取有用的信息，为改善系统设计提升系统质量提供重要依据。</a:t>
-            </a:r>
+            <a:endParaRPr lang="zh-CN" altLang="en-US" dirty="0"/>
           </a:p>
         </p:txBody>
       </p:sp>
@@ -632,7 +541,7 @@
           <a:p>
             <a:fld id="{3DE30F68-2A6D-4112-B9F9-8D7F66024875}" type="slidenum">
               <a:rPr lang="zh-CN" altLang="en-US" smtClean="0"/>
-              <a:t>4</a:t>
+              <a:t>2</a:t>
             </a:fld>
             <a:endParaRPr lang="zh-CN" altLang="en-US"/>
           </a:p>
@@ -641,7 +550,7 @@
     </p:spTree>
     <p:extLst>
       <p:ext uri="{BB962C8B-B14F-4D97-AF65-F5344CB8AC3E}">
-        <p14:creationId xmlns:p14="http://schemas.microsoft.com/office/powerpoint/2010/main" val="1849720600"/>
+        <p14:creationId xmlns:p14="http://schemas.microsoft.com/office/powerpoint/2010/main" val="1926330424"/>
       </p:ext>
     </p:extLst>
   </p:cSld>
@@ -705,10 +614,10 @@
                 <a:ea typeface="+mn-ea"/>
                 <a:cs typeface="+mn-cs"/>
               </a:rPr>
-              <a:t>目前已有很多日志分析的工具和方法，最简单常用的方式是直接利用</a:t>
-            </a:r>
-            <a:r>
-              <a:rPr lang="en-US" altLang="zh-CN" sz="1200" kern="1200" dirty="0" smtClean="0">
+              <a:t>日志是信息系统记录系统和用户操作最常用的方式</a:t>
+            </a:r>
+            <a:r>
+              <a:rPr lang="zh-CN" altLang="en-US" sz="1200" kern="1200" dirty="0" smtClean="0">
                 <a:solidFill>
                   <a:schemeClr val="tx1"/>
                 </a:solidFill>
@@ -717,7 +626,7 @@
                 <a:ea typeface="+mn-ea"/>
                 <a:cs typeface="+mn-cs"/>
               </a:rPr>
-              <a:t>Shell</a:t>
+              <a:t>，</a:t>
             </a:r>
             <a:r>
               <a:rPr lang="zh-CN" altLang="zh-CN" sz="1200" kern="1200" dirty="0" smtClean="0">
@@ -729,31 +638,7 @@
                 <a:ea typeface="+mn-ea"/>
                 <a:cs typeface="+mn-cs"/>
               </a:rPr>
-              <a:t>、</a:t>
-            </a:r>
-            <a:r>
-              <a:rPr lang="en-US" altLang="zh-CN" sz="1200" kern="1200" dirty="0" smtClean="0">
-                <a:solidFill>
-                  <a:schemeClr val="tx1"/>
-                </a:solidFill>
-                <a:effectLst/>
-                <a:latin typeface="+mn-lt"/>
-                <a:ea typeface="+mn-ea"/>
-                <a:cs typeface="+mn-cs"/>
-              </a:rPr>
-              <a:t>Python</a:t>
-            </a:r>
-            <a:r>
-              <a:rPr lang="zh-CN" altLang="zh-CN" sz="1200" kern="1200" dirty="0" smtClean="0">
-                <a:solidFill>
-                  <a:schemeClr val="tx1"/>
-                </a:solidFill>
-                <a:effectLst/>
-                <a:latin typeface="+mn-lt"/>
-                <a:ea typeface="+mn-ea"/>
-                <a:cs typeface="+mn-cs"/>
-              </a:rPr>
-              <a:t>等脚本语言，以脚本的方式进行处理，脚本方式灵活便捷，但不易重用，可读性较差。</a:t>
+              <a:t>包含一系列正常或异常的数据操作</a:t>
             </a:r>
             <a:endParaRPr lang="en-US" altLang="zh-CN" sz="1200" kern="1200" dirty="0" smtClean="0">
               <a:solidFill>
@@ -766,25 +651,38 @@
             </a:endParaRPr>
           </a:p>
           <a:p>
-            <a:pPr marL="0" marR="0" indent="0" algn="l" defTabSz="914400" rtl="0" eaLnBrk="1" fontAlgn="auto" latinLnBrk="0" hangingPunct="1">
-              <a:lnSpc>
-                <a:spcPct val="100000"/>
-              </a:lnSpc>
-              <a:spcBef>
-                <a:spcPts val="0"/>
-              </a:spcBef>
-              <a:spcAft>
-                <a:spcPts val="0"/>
-              </a:spcAft>
-              <a:buClrTx/>
-              <a:buSzTx/>
-              <a:buFontTx/>
-              <a:buNone/>
-              <a:tabLst/>
-              <a:defRPr/>
-            </a:pPr>
-            <a:r>
-              <a:rPr lang="en-US" altLang="zh-CN" sz="1200" kern="1200" dirty="0" smtClean="0">
+            <a:r>
+              <a:rPr lang="zh-CN" altLang="en-US" dirty="0" smtClean="0"/>
+              <a:t>目前随着互联网技术的发展，企业每天收集的日志数据十分巨大，</a:t>
+            </a:r>
+            <a:r>
+              <a:rPr lang="en-US" altLang="zh-CN" dirty="0" smtClean="0"/>
+              <a:t>BAT</a:t>
+            </a:r>
+            <a:r>
+              <a:rPr lang="zh-CN" altLang="en-US" dirty="0" smtClean="0"/>
+              <a:t>之类的公司每天的日志数量达到</a:t>
+            </a:r>
+            <a:r>
+              <a:rPr lang="en-US" altLang="zh-CN" dirty="0" smtClean="0"/>
+              <a:t>TB</a:t>
+            </a:r>
+            <a:r>
+              <a:rPr lang="zh-CN" altLang="en-US" dirty="0" smtClean="0"/>
+              <a:t>级</a:t>
+            </a:r>
+            <a:endParaRPr lang="en-US" altLang="zh-CN" dirty="0" smtClean="0"/>
+          </a:p>
+          <a:p>
+            <a:r>
+              <a:rPr lang="zh-CN" altLang="en-US" dirty="0" smtClean="0"/>
+              <a:t>日志种类繁杂，同一个操作会产生硬盘读写事件，网络请求事件，内存访问事件等多种日志。</a:t>
+            </a:r>
+            <a:endParaRPr lang="en-US" altLang="zh-CN" dirty="0" smtClean="0"/>
+          </a:p>
+          <a:p>
+            <a:r>
+              <a:rPr lang="zh-CN" altLang="en-US" sz="1200" kern="1200" dirty="0" smtClean="0">
                 <a:solidFill>
                   <a:schemeClr val="tx1"/>
                 </a:solidFill>
@@ -793,8 +691,19 @@
                 <a:ea typeface="+mn-ea"/>
                 <a:cs typeface="+mn-cs"/>
               </a:rPr>
-              <a:t>Google Analytics</a:t>
-            </a:r>
+              <a:t>日志是一个实时系统，每个用户的每次操作都会产生日志，当用户量足够大时日志产生速度很快，为了确保系统正常工作，需要日志分析系统进行及时性的分析</a:t>
+            </a:r>
+            <a:endParaRPr lang="en-US" altLang="zh-CN" sz="1200" kern="1200" dirty="0" smtClean="0">
+              <a:solidFill>
+                <a:schemeClr val="tx1"/>
+              </a:solidFill>
+              <a:effectLst/>
+              <a:latin typeface="+mn-lt"/>
+              <a:ea typeface="+mn-ea"/>
+              <a:cs typeface="+mn-cs"/>
+            </a:endParaRPr>
+          </a:p>
+          <a:p>
             <a:r>
               <a:rPr lang="zh-CN" altLang="zh-CN" sz="1200" kern="1200" dirty="0" smtClean="0">
                 <a:solidFill>
@@ -805,15 +714,20 @@
                 <a:ea typeface="+mn-ea"/>
                 <a:cs typeface="+mn-cs"/>
               </a:rPr>
-              <a:t>，百度统计等都是专门分析日志的工具，可以通过分析用户站点的日志，实时统计和显示当前系统的运行状况，提供丰富的功能和各式的统计报表。</a:t>
-            </a:r>
-          </a:p>
-          <a:p>
-            <a:r>
-              <a:rPr lang="zh-CN" altLang="en-US" dirty="0" smtClean="0"/>
-              <a:t>嵌入代码，读取日志  数据安全性问题</a:t>
-            </a:r>
-            <a:endParaRPr lang="zh-CN" altLang="en-US" dirty="0"/>
+              <a:t>通过对日志数据进行分析，可以获取有用的信息，为改善系统设计提升系统质量提供重要依据。</a:t>
+            </a:r>
+            <a:endParaRPr lang="en-US" altLang="zh-CN" sz="1200" kern="1200" dirty="0" smtClean="0">
+              <a:solidFill>
+                <a:schemeClr val="tx1"/>
+              </a:solidFill>
+              <a:effectLst/>
+              <a:latin typeface="+mn-lt"/>
+              <a:ea typeface="+mn-ea"/>
+              <a:cs typeface="+mn-cs"/>
+            </a:endParaRPr>
+          </a:p>
+          <a:p>
+            <a:endParaRPr lang="en-US" altLang="zh-CN" dirty="0" smtClean="0"/>
           </a:p>
         </p:txBody>
       </p:sp>
@@ -834,7 +748,7 @@
           <a:p>
             <a:fld id="{3DE30F68-2A6D-4112-B9F9-8D7F66024875}" type="slidenum">
               <a:rPr lang="zh-CN" altLang="en-US" smtClean="0"/>
-              <a:t>5</a:t>
+              <a:t>3</a:t>
             </a:fld>
             <a:endParaRPr lang="zh-CN" altLang="en-US"/>
           </a:p>
@@ -843,7 +757,7 @@
     </p:spTree>
     <p:extLst>
       <p:ext uri="{BB962C8B-B14F-4D97-AF65-F5344CB8AC3E}">
-        <p14:creationId xmlns:p14="http://schemas.microsoft.com/office/powerpoint/2010/main" val="1523661696"/>
+        <p14:creationId xmlns:p14="http://schemas.microsoft.com/office/powerpoint/2010/main" val="1787854527"/>
       </p:ext>
     </p:extLst>
   </p:cSld>
@@ -915,7 +829,7 @@
               <a:defRPr/>
             </a:pPr>
             <a:r>
-              <a:rPr lang="en-US" altLang="zh-CN" sz="1200" kern="1200" dirty="0" smtClean="0">
+              <a:rPr lang="zh-CN" altLang="en-US" sz="1200" kern="1200" dirty="0" smtClean="0">
                 <a:solidFill>
                   <a:schemeClr val="tx1"/>
                 </a:solidFill>
@@ -924,10 +838,38 @@
                 <a:ea typeface="+mn-ea"/>
                 <a:cs typeface="+mn-cs"/>
               </a:rPr>
-              <a:t>Spark</a:t>
-            </a:r>
-            <a:r>
-              <a:rPr lang="zh-CN" altLang="zh-CN" sz="1200" kern="1200" dirty="0" smtClean="0">
+              <a:t>一个通用的日志分析系统，针对目前主流的服务器与数据中心，以现有的机器学习方法进行大数据分析，以可视化方法展现分析结果</a:t>
+            </a:r>
+            <a:endParaRPr lang="en-US" altLang="zh-CN" sz="1200" kern="1200" dirty="0" smtClean="0">
+              <a:solidFill>
+                <a:schemeClr val="tx1"/>
+              </a:solidFill>
+              <a:effectLst/>
+              <a:latin typeface="+mn-lt"/>
+              <a:ea typeface="+mn-ea"/>
+              <a:cs typeface="+mn-cs"/>
+            </a:endParaRPr>
+          </a:p>
+          <a:p>
+            <a:pPr marL="0" marR="0" indent="0" algn="l" defTabSz="914400" rtl="0" eaLnBrk="1" fontAlgn="auto" latinLnBrk="0" hangingPunct="1">
+              <a:lnSpc>
+                <a:spcPct val="100000"/>
+              </a:lnSpc>
+              <a:spcBef>
+                <a:spcPts val="0"/>
+              </a:spcBef>
+              <a:spcAft>
+                <a:spcPts val="0"/>
+              </a:spcAft>
+              <a:buClrTx/>
+              <a:buSzTx/>
+              <a:buFontTx/>
+              <a:buNone/>
+              <a:tabLst/>
+              <a:defRPr/>
+            </a:pPr>
+            <a:r>
+              <a:rPr lang="zh-CN" altLang="en-US" sz="1200" kern="1200" dirty="0" smtClean="0">
                 <a:solidFill>
                   <a:schemeClr val="tx1"/>
                 </a:solidFill>
@@ -936,59 +878,17 @@
                 <a:ea typeface="+mn-ea"/>
                 <a:cs typeface="+mn-cs"/>
               </a:rPr>
-              <a:t>是由</a:t>
-            </a:r>
-            <a:r>
-              <a:rPr lang="en-US" altLang="zh-CN" sz="1200" kern="1200" dirty="0" smtClean="0">
-                <a:solidFill>
-                  <a:schemeClr val="tx1"/>
-                </a:solidFill>
-                <a:effectLst/>
-                <a:latin typeface="+mn-lt"/>
-                <a:ea typeface="+mn-ea"/>
-                <a:cs typeface="+mn-cs"/>
-              </a:rPr>
-              <a:t>UC Berkeley AMP lab</a:t>
-            </a:r>
-            <a:r>
-              <a:rPr lang="zh-CN" altLang="zh-CN" sz="1200" kern="1200" dirty="0" smtClean="0">
-                <a:solidFill>
-                  <a:schemeClr val="tx1"/>
-                </a:solidFill>
-                <a:effectLst/>
-                <a:latin typeface="+mn-lt"/>
-                <a:ea typeface="+mn-ea"/>
-                <a:cs typeface="+mn-cs"/>
-              </a:rPr>
-              <a:t>开发的一个开源分布式集群计算引擎，采用</a:t>
-            </a:r>
-            <a:r>
-              <a:rPr lang="en-US" altLang="zh-CN" sz="1200" kern="1200" dirty="0" smtClean="0">
-                <a:solidFill>
-                  <a:schemeClr val="tx1"/>
-                </a:solidFill>
-                <a:effectLst/>
-                <a:latin typeface="+mn-lt"/>
-                <a:ea typeface="+mn-ea"/>
-                <a:cs typeface="+mn-cs"/>
-              </a:rPr>
-              <a:t>RDD</a:t>
-            </a:r>
-            <a:r>
-              <a:rPr lang="zh-CN" altLang="zh-CN" sz="1200" kern="1200" dirty="0" smtClean="0">
-                <a:solidFill>
-                  <a:schemeClr val="tx1"/>
-                </a:solidFill>
-                <a:effectLst/>
-                <a:latin typeface="+mn-lt"/>
-                <a:ea typeface="+mn-ea"/>
-                <a:cs typeface="+mn-cs"/>
-              </a:rPr>
-              <a:t>的方式将中间结果保存在内存中，基于内存进行集群计算，实现快速处理。</a:t>
-            </a:r>
-          </a:p>
-          <a:p>
-            <a:endParaRPr lang="zh-CN" altLang="en-US" dirty="0"/>
+              <a:t>功能包括对系统进行性能分析，统计系统运行过程中的异常，分析用户的操作建立用户模型</a:t>
+            </a:r>
+            <a:endParaRPr lang="en-US" altLang="zh-CN" sz="1200" kern="1200" dirty="0" smtClean="0">
+              <a:solidFill>
+                <a:schemeClr val="tx1"/>
+              </a:solidFill>
+              <a:effectLst/>
+              <a:latin typeface="+mn-lt"/>
+              <a:ea typeface="+mn-ea"/>
+              <a:cs typeface="+mn-cs"/>
+            </a:endParaRPr>
           </a:p>
         </p:txBody>
       </p:sp>
@@ -1009,7 +909,7 @@
           <a:p>
             <a:fld id="{3DE30F68-2A6D-4112-B9F9-8D7F66024875}" type="slidenum">
               <a:rPr lang="zh-CN" altLang="en-US" smtClean="0"/>
-              <a:t>6</a:t>
+              <a:t>4</a:t>
             </a:fld>
             <a:endParaRPr lang="zh-CN" altLang="en-US"/>
           </a:p>
@@ -1018,7 +918,7 @@
     </p:spTree>
     <p:extLst>
       <p:ext uri="{BB962C8B-B14F-4D97-AF65-F5344CB8AC3E}">
-        <p14:creationId xmlns:p14="http://schemas.microsoft.com/office/powerpoint/2010/main" val="18133926"/>
+        <p14:creationId xmlns:p14="http://schemas.microsoft.com/office/powerpoint/2010/main" val="1849720600"/>
       </p:ext>
     </p:extLst>
   </p:cSld>
@@ -1072,6 +972,77 @@
           <a:bodyPr/>
           <a:lstStyle/>
           <a:p>
+            <a:r>
+              <a:rPr lang="zh-CN" altLang="zh-CN" sz="1200" kern="1200" dirty="0" smtClean="0">
+                <a:solidFill>
+                  <a:schemeClr val="tx1"/>
+                </a:solidFill>
+                <a:effectLst/>
+                <a:latin typeface="+mn-lt"/>
+                <a:ea typeface="+mn-ea"/>
+                <a:cs typeface="+mn-cs"/>
+              </a:rPr>
+              <a:t>目前已有很多日志分析的工具和方法，最简单常用的方式是直接利用</a:t>
+            </a:r>
+            <a:r>
+              <a:rPr lang="en-US" altLang="zh-CN" sz="1200" kern="1200" dirty="0" smtClean="0">
+                <a:solidFill>
+                  <a:schemeClr val="tx1"/>
+                </a:solidFill>
+                <a:effectLst/>
+                <a:latin typeface="+mn-lt"/>
+                <a:ea typeface="+mn-ea"/>
+                <a:cs typeface="+mn-cs"/>
+              </a:rPr>
+              <a:t>Shell</a:t>
+            </a:r>
+            <a:r>
+              <a:rPr lang="zh-CN" altLang="zh-CN" sz="1200" kern="1200" dirty="0" smtClean="0">
+                <a:solidFill>
+                  <a:schemeClr val="tx1"/>
+                </a:solidFill>
+                <a:effectLst/>
+                <a:latin typeface="+mn-lt"/>
+                <a:ea typeface="+mn-ea"/>
+                <a:cs typeface="+mn-cs"/>
+              </a:rPr>
+              <a:t>、</a:t>
+            </a:r>
+            <a:r>
+              <a:rPr lang="en-US" altLang="zh-CN" sz="1200" kern="1200" dirty="0" smtClean="0">
+                <a:solidFill>
+                  <a:schemeClr val="tx1"/>
+                </a:solidFill>
+                <a:effectLst/>
+                <a:latin typeface="+mn-lt"/>
+                <a:ea typeface="+mn-ea"/>
+                <a:cs typeface="+mn-cs"/>
+              </a:rPr>
+              <a:t>Python</a:t>
+            </a:r>
+            <a:r>
+              <a:rPr lang="zh-CN" altLang="zh-CN" sz="1200" kern="1200" dirty="0" smtClean="0">
+                <a:solidFill>
+                  <a:schemeClr val="tx1"/>
+                </a:solidFill>
+                <a:effectLst/>
+                <a:latin typeface="+mn-lt"/>
+                <a:ea typeface="+mn-ea"/>
+                <a:cs typeface="+mn-cs"/>
+              </a:rPr>
+              <a:t>等脚本语言，以脚本的方式进行处理，脚本方式灵活便捷，但不易重用，可读性较差。</a:t>
+            </a:r>
+            <a:endParaRPr lang="en-US" altLang="zh-CN" sz="1200" kern="1200" dirty="0" smtClean="0">
+              <a:solidFill>
+                <a:schemeClr val="tx1"/>
+              </a:solidFill>
+              <a:effectLst/>
+              <a:latin typeface="+mn-lt"/>
+              <a:ea typeface="+mn-ea"/>
+              <a:cs typeface="+mn-cs"/>
+            </a:endParaRPr>
+          </a:p>
+          <a:p>
             <a:pPr marL="0" marR="0" indent="0" algn="l" defTabSz="914400" rtl="0" eaLnBrk="1" fontAlgn="auto" latinLnBrk="0" hangingPunct="1">
               <a:lnSpc>
                 <a:spcPct val="100000"/>
@@ -1099,7 +1070,7 @@
                 <a:ea typeface="+mn-ea"/>
                 <a:cs typeface="+mn-cs"/>
               </a:rPr>
-              <a:t>Spark Core</a:t>
+              <a:t>Google Analytics</a:t>
             </a:r>
             <a:r>
               <a:rPr lang="zh-CN" altLang="zh-CN" sz="1200" kern="1200" dirty="0" smtClean="0">
@@ -1111,8 +1082,279 @@
                 <a:ea typeface="+mn-ea"/>
                 <a:cs typeface="+mn-cs"/>
               </a:rPr>
-              <a:t>实现了</a:t>
-            </a:r>
+              <a:t>，百度统计等都是专门分析日志的工具，可以通过分析用户站点的日志，实时统计和显示当前系统的运行状况，提供丰富的功能和各式的统计报表。</a:t>
+            </a:r>
+          </a:p>
+          <a:p>
+            <a:r>
+              <a:rPr lang="zh-CN" altLang="en-US" dirty="0" smtClean="0"/>
+              <a:t>嵌入代码，读取日志  数据安全性问题</a:t>
+            </a:r>
+            <a:endParaRPr lang="zh-CN" altLang="en-US" dirty="0"/>
+          </a:p>
+        </p:txBody>
+      </p:sp>
+      <p:sp>
+        <p:nvSpPr>
+          <p:cNvPr id="4" name="灯片编号占位符 3"/>
+          <p:cNvSpPr>
+            <a:spLocks noGrp="1"/>
+          </p:cNvSpPr>
+          <p:nvPr>
+            <p:ph type="sldNum" sz="quarter" idx="10"/>
+          </p:nvPr>
+        </p:nvSpPr>
+        <p:spPr/>
+        <p:txBody>
+          <a:bodyPr/>
+          <a:lstStyle/>
+          <a:p>
+            <a:fld id="{3DE30F68-2A6D-4112-B9F9-8D7F66024875}" type="slidenum">
+              <a:rPr lang="zh-CN" altLang="en-US" smtClean="0"/>
+              <a:t>5</a:t>
+            </a:fld>
+            <a:endParaRPr lang="zh-CN" altLang="en-US"/>
+          </a:p>
+        </p:txBody>
+      </p:sp>
+    </p:spTree>
+    <p:extLst>
+      <p:ext uri="{BB962C8B-B14F-4D97-AF65-F5344CB8AC3E}">
+        <p14:creationId xmlns:p14="http://schemas.microsoft.com/office/powerpoint/2010/main" val="1523661696"/>
+      </p:ext>
+    </p:extLst>
+  </p:cSld>
+  <p:clrMapOvr>
+    <a:masterClrMapping/>
+  </p:clrMapOvr>
+</p:notes>
+</file>
+
+<file path=ppt/notesSlides/notesSlide5.xml><?xml version="1.0" encoding="utf-8"?>
+<p:notes xmlns:a="http://schemas.openxmlformats.org/drawingml/2006/main" xmlns:r="http://schemas.openxmlformats.org/officeDocument/2006/relationships" xmlns:p="http://schemas.openxmlformats.org/presentationml/2006/main">
+  <p:cSld>
+    <p:spTree>
+      <p:nvGrpSpPr>
+        <p:cNvPr id="1" name=""/>
+        <p:cNvGrpSpPr/>
+        <p:nvPr/>
+      </p:nvGrpSpPr>
+      <p:grpSpPr>
+        <a:xfrm>
+          <a:off x="0" y="0"/>
+          <a:ext cx="0" cy="0"/>
+          <a:chOff x="0" y="0"/>
+          <a:chExt cx="0" cy="0"/>
+        </a:xfrm>
+      </p:grpSpPr>
+      <p:sp>
+        <p:nvSpPr>
+          <p:cNvPr id="2" name="幻灯片图像占位符 1"/>
+          <p:cNvSpPr>
+            <a:spLocks noGrp="1" noRot="1" noChangeAspect="1"/>
+          </p:cNvSpPr>
+          <p:nvPr>
+            <p:ph type="sldImg"/>
+          </p:nvPr>
+        </p:nvSpPr>
+        <p:spPr/>
+      </p:sp>
+      <p:sp>
+        <p:nvSpPr>
+          <p:cNvPr id="3" name="备注占位符 2"/>
+          <p:cNvSpPr>
+            <a:spLocks noGrp="1"/>
+          </p:cNvSpPr>
+          <p:nvPr>
+            <p:ph type="body" idx="1"/>
+          </p:nvPr>
+        </p:nvSpPr>
+        <p:spPr/>
+        <p:txBody>
+          <a:bodyPr/>
+          <a:lstStyle/>
+          <a:p>
+            <a:pPr marL="0" marR="0" indent="0" algn="l" defTabSz="914400" rtl="0" eaLnBrk="1" fontAlgn="auto" latinLnBrk="0" hangingPunct="1">
+              <a:lnSpc>
+                <a:spcPct val="100000"/>
+              </a:lnSpc>
+              <a:spcBef>
+                <a:spcPts val="0"/>
+              </a:spcBef>
+              <a:spcAft>
+                <a:spcPts val="0"/>
+              </a:spcAft>
+              <a:buClrTx/>
+              <a:buSzTx/>
+              <a:buFontTx/>
+              <a:buNone/>
+              <a:tabLst/>
+              <a:defRPr/>
+            </a:pPr>
+            <a:r>
+              <a:rPr lang="zh-CN" altLang="en-US" sz="1200" kern="1200" dirty="0" smtClean="0">
+                <a:solidFill>
+                  <a:schemeClr val="tx1"/>
+                </a:solidFill>
+                <a:effectLst/>
+                <a:latin typeface="+mn-lt"/>
+                <a:ea typeface="+mn-ea"/>
+                <a:cs typeface="+mn-cs"/>
+              </a:rPr>
+              <a:t>目前大数据处理最常用的就是</a:t>
+            </a:r>
+            <a:r>
+              <a:rPr lang="en-US" altLang="zh-CN" sz="1200" kern="1200" dirty="0" smtClean="0">
+                <a:solidFill>
+                  <a:schemeClr val="tx1"/>
+                </a:solidFill>
+                <a:effectLst/>
+                <a:latin typeface="+mn-lt"/>
+                <a:ea typeface="+mn-ea"/>
+                <a:cs typeface="+mn-cs"/>
+              </a:rPr>
+              <a:t>Hadoop</a:t>
+            </a:r>
+            <a:r>
+              <a:rPr lang="zh-CN" altLang="en-US" sz="1200" kern="1200" dirty="0" smtClean="0">
+                <a:solidFill>
+                  <a:schemeClr val="tx1"/>
+                </a:solidFill>
+                <a:effectLst/>
+                <a:latin typeface="+mn-lt"/>
+                <a:ea typeface="+mn-ea"/>
+                <a:cs typeface="+mn-cs"/>
+              </a:rPr>
+              <a:t>生态圈，以</a:t>
+            </a:r>
+            <a:r>
+              <a:rPr lang="en-US" altLang="zh-CN" sz="1200" kern="1200" dirty="0" err="1" smtClean="0">
+                <a:solidFill>
+                  <a:schemeClr val="tx1"/>
+                </a:solidFill>
+                <a:effectLst/>
+                <a:latin typeface="+mn-lt"/>
+                <a:ea typeface="+mn-ea"/>
+                <a:cs typeface="+mn-cs"/>
+              </a:rPr>
+              <a:t>MapReduce</a:t>
+            </a:r>
+            <a:r>
+              <a:rPr lang="zh-CN" altLang="en-US" sz="1200" kern="1200" dirty="0" smtClean="0">
+                <a:solidFill>
+                  <a:schemeClr val="tx1"/>
+                </a:solidFill>
+                <a:effectLst/>
+                <a:latin typeface="+mn-lt"/>
+                <a:ea typeface="+mn-ea"/>
+                <a:cs typeface="+mn-cs"/>
+              </a:rPr>
+              <a:t>的方式进行分布式计算。</a:t>
+            </a:r>
+            <a:endParaRPr lang="en-US" altLang="zh-CN" sz="1200" kern="1200" dirty="0" smtClean="0">
+              <a:solidFill>
+                <a:schemeClr val="tx1"/>
+              </a:solidFill>
+              <a:effectLst/>
+              <a:latin typeface="+mn-lt"/>
+              <a:ea typeface="+mn-ea"/>
+              <a:cs typeface="+mn-cs"/>
+            </a:endParaRPr>
+          </a:p>
+          <a:p>
+            <a:pPr marL="0" marR="0" indent="0" algn="l" defTabSz="914400" rtl="0" eaLnBrk="1" fontAlgn="auto" latinLnBrk="0" hangingPunct="1">
+              <a:lnSpc>
+                <a:spcPct val="100000"/>
+              </a:lnSpc>
+              <a:spcBef>
+                <a:spcPts val="0"/>
+              </a:spcBef>
+              <a:spcAft>
+                <a:spcPts val="0"/>
+              </a:spcAft>
+              <a:buClrTx/>
+              <a:buSzTx/>
+              <a:buFontTx/>
+              <a:buNone/>
+              <a:tabLst/>
+              <a:defRPr/>
+            </a:pPr>
+            <a:r>
+              <a:rPr lang="en-US" altLang="zh-CN" sz="1200" kern="1200" dirty="0" smtClean="0">
+                <a:solidFill>
+                  <a:schemeClr val="tx1"/>
+                </a:solidFill>
+                <a:effectLst/>
+                <a:latin typeface="+mn-lt"/>
+                <a:ea typeface="+mn-ea"/>
+                <a:cs typeface="+mn-cs"/>
+              </a:rPr>
+              <a:t>Hadoop</a:t>
+            </a:r>
+            <a:r>
+              <a:rPr lang="zh-CN" altLang="en-US" sz="1200" kern="1200" dirty="0" smtClean="0">
+                <a:solidFill>
+                  <a:schemeClr val="tx1"/>
+                </a:solidFill>
+                <a:effectLst/>
+                <a:latin typeface="+mn-lt"/>
+                <a:ea typeface="+mn-ea"/>
+                <a:cs typeface="+mn-cs"/>
+              </a:rPr>
+              <a:t>使用</a:t>
+            </a:r>
+            <a:r>
+              <a:rPr lang="en-US" altLang="zh-CN" sz="1200" kern="1200" dirty="0" smtClean="0">
+                <a:solidFill>
+                  <a:schemeClr val="tx1"/>
+                </a:solidFill>
+                <a:effectLst/>
+                <a:latin typeface="+mn-lt"/>
+                <a:ea typeface="+mn-ea"/>
+                <a:cs typeface="+mn-cs"/>
+              </a:rPr>
+              <a:t>HDFS</a:t>
+            </a:r>
+            <a:r>
+              <a:rPr lang="zh-CN" altLang="en-US" sz="1200" kern="1200" dirty="0" smtClean="0">
+                <a:solidFill>
+                  <a:schemeClr val="tx1"/>
+                </a:solidFill>
+                <a:effectLst/>
+                <a:latin typeface="+mn-lt"/>
+                <a:ea typeface="+mn-ea"/>
+                <a:cs typeface="+mn-cs"/>
+              </a:rPr>
+              <a:t>存储数据，每次运算都需要从磁盘中读取数据，运算完之后再写会磁盘，在执行迭代算法或者其他频繁访问磁盘的算法时效果比较差。</a:t>
+            </a:r>
+            <a:endParaRPr lang="en-US" altLang="zh-CN" sz="1200" kern="1200" dirty="0" smtClean="0">
+              <a:solidFill>
+                <a:schemeClr val="tx1"/>
+              </a:solidFill>
+              <a:effectLst/>
+              <a:latin typeface="+mn-lt"/>
+              <a:ea typeface="+mn-ea"/>
+              <a:cs typeface="+mn-cs"/>
+            </a:endParaRPr>
+          </a:p>
+          <a:p>
+            <a:pPr marL="0" marR="0" indent="0" algn="l" defTabSz="914400" rtl="0" eaLnBrk="1" fontAlgn="auto" latinLnBrk="0" hangingPunct="1">
+              <a:lnSpc>
+                <a:spcPct val="100000"/>
+              </a:lnSpc>
+              <a:spcBef>
+                <a:spcPts val="0"/>
+              </a:spcBef>
+              <a:spcAft>
+                <a:spcPts val="0"/>
+              </a:spcAft>
+              <a:buClrTx/>
+              <a:buSzTx/>
+              <a:buFontTx/>
+              <a:buNone/>
+              <a:tabLst/>
+              <a:defRPr/>
+            </a:pPr>
             <a:r>
               <a:rPr lang="en-US" altLang="zh-CN" sz="1200" kern="1200" dirty="0" smtClean="0">
                 <a:solidFill>
@@ -1135,7 +1377,31 @@
                 <a:ea typeface="+mn-ea"/>
                 <a:cs typeface="+mn-cs"/>
               </a:rPr>
-              <a:t>的基本功能，包含任务调度，内存管理，错误恢复，与存储系统交互等模块，以及对</a:t>
+              <a:t>是由</a:t>
+            </a:r>
+            <a:r>
+              <a:rPr lang="en-US" altLang="zh-CN" sz="1200" kern="1200" dirty="0" smtClean="0">
+                <a:solidFill>
+                  <a:schemeClr val="tx1"/>
+                </a:solidFill>
+                <a:effectLst/>
+                <a:latin typeface="+mn-lt"/>
+                <a:ea typeface="+mn-ea"/>
+                <a:cs typeface="+mn-cs"/>
+              </a:rPr>
+              <a:t>UC Berkeley AMP lab</a:t>
+            </a:r>
+            <a:r>
+              <a:rPr lang="zh-CN" altLang="zh-CN" sz="1200" kern="1200" dirty="0" smtClean="0">
+                <a:solidFill>
+                  <a:schemeClr val="tx1"/>
+                </a:solidFill>
+                <a:effectLst/>
+                <a:latin typeface="+mn-lt"/>
+                <a:ea typeface="+mn-ea"/>
+                <a:cs typeface="+mn-cs"/>
+              </a:rPr>
+              <a:t>开发的一个开源分布式集群计算引擎，采用</a:t>
             </a:r>
             <a:r>
               <a:rPr lang="en-US" altLang="zh-CN" sz="1200" kern="1200" dirty="0" smtClean="0">
@@ -1159,8 +1425,111 @@
                 <a:ea typeface="+mn-ea"/>
                 <a:cs typeface="+mn-cs"/>
               </a:rPr>
-              <a:t>的</a:t>
-            </a:r>
+              <a:t>的方式将中间结果保存在内存中，基于内存进行集群计算，实现快速处理。</a:t>
+            </a:r>
+          </a:p>
+          <a:p>
+            <a:endParaRPr lang="zh-CN" altLang="en-US" dirty="0"/>
+          </a:p>
+        </p:txBody>
+      </p:sp>
+      <p:sp>
+        <p:nvSpPr>
+          <p:cNvPr id="4" name="灯片编号占位符 3"/>
+          <p:cNvSpPr>
+            <a:spLocks noGrp="1"/>
+          </p:cNvSpPr>
+          <p:nvPr>
+            <p:ph type="sldNum" sz="quarter" idx="10"/>
+          </p:nvPr>
+        </p:nvSpPr>
+        <p:spPr/>
+        <p:txBody>
+          <a:bodyPr/>
+          <a:lstStyle/>
+          <a:p>
+            <a:fld id="{3DE30F68-2A6D-4112-B9F9-8D7F66024875}" type="slidenum">
+              <a:rPr lang="zh-CN" altLang="en-US" smtClean="0"/>
+              <a:t>6</a:t>
+            </a:fld>
+            <a:endParaRPr lang="zh-CN" altLang="en-US"/>
+          </a:p>
+        </p:txBody>
+      </p:sp>
+    </p:spTree>
+    <p:extLst>
+      <p:ext uri="{BB962C8B-B14F-4D97-AF65-F5344CB8AC3E}">
+        <p14:creationId xmlns:p14="http://schemas.microsoft.com/office/powerpoint/2010/main" val="18133926"/>
+      </p:ext>
+    </p:extLst>
+  </p:cSld>
+  <p:clrMapOvr>
+    <a:masterClrMapping/>
+  </p:clrMapOvr>
+</p:notes>
+</file>
+
+<file path=ppt/notesSlides/notesSlide6.xml><?xml version="1.0" encoding="utf-8"?>
+<p:notes xmlns:a="http://schemas.openxmlformats.org/drawingml/2006/main" xmlns:r="http://schemas.openxmlformats.org/officeDocument/2006/relationships" xmlns:p="http://schemas.openxmlformats.org/presentationml/2006/main">
+  <p:cSld>
+    <p:spTree>
+      <p:nvGrpSpPr>
+        <p:cNvPr id="1" name=""/>
+        <p:cNvGrpSpPr/>
+        <p:nvPr/>
+      </p:nvGrpSpPr>
+      <p:grpSpPr>
+        <a:xfrm>
+          <a:off x="0" y="0"/>
+          <a:ext cx="0" cy="0"/>
+          <a:chOff x="0" y="0"/>
+          <a:chExt cx="0" cy="0"/>
+        </a:xfrm>
+      </p:grpSpPr>
+      <p:sp>
+        <p:nvSpPr>
+          <p:cNvPr id="2" name="幻灯片图像占位符 1"/>
+          <p:cNvSpPr>
+            <a:spLocks noGrp="1" noRot="1" noChangeAspect="1"/>
+          </p:cNvSpPr>
+          <p:nvPr>
+            <p:ph type="sldImg"/>
+          </p:nvPr>
+        </p:nvSpPr>
+        <p:spPr/>
+      </p:sp>
+      <p:sp>
+        <p:nvSpPr>
+          <p:cNvPr id="3" name="备注占位符 2"/>
+          <p:cNvSpPr>
+            <a:spLocks noGrp="1"/>
+          </p:cNvSpPr>
+          <p:nvPr>
+            <p:ph type="body" idx="1"/>
+          </p:nvPr>
+        </p:nvSpPr>
+        <p:spPr/>
+        <p:txBody>
+          <a:bodyPr/>
+          <a:lstStyle/>
+          <a:p>
+            <a:pPr marL="0" marR="0" indent="0" algn="l" defTabSz="914400" rtl="0" eaLnBrk="1" fontAlgn="auto" latinLnBrk="0" hangingPunct="1">
+              <a:lnSpc>
+                <a:spcPct val="100000"/>
+              </a:lnSpc>
+              <a:spcBef>
+                <a:spcPts val="0"/>
+              </a:spcBef>
+              <a:spcAft>
+                <a:spcPts val="0"/>
+              </a:spcAft>
+              <a:buClrTx/>
+              <a:buSzTx/>
+              <a:buFontTx/>
+              <a:buNone/>
+              <a:tabLst/>
+              <a:defRPr/>
+            </a:pPr>
             <a:r>
               <a:rPr lang="en-US" altLang="zh-CN" sz="1200" kern="1200" dirty="0" smtClean="0">
                 <a:solidFill>
@@ -1171,10 +1540,10 @@
                 <a:ea typeface="+mn-ea"/>
                 <a:cs typeface="+mn-cs"/>
               </a:rPr>
-              <a:t>API</a:t>
-            </a:r>
-            <a:r>
-              <a:rPr lang="zh-CN" altLang="zh-CN" sz="1200" kern="1200" dirty="0" smtClean="0">
+              <a:t>Spark Core</a:t>
+            </a:r>
+            <a:r>
+              <a:rPr lang="zh-CN" altLang="en-US" sz="1200" kern="1200" dirty="0" smtClean="0">
                 <a:solidFill>
                   <a:schemeClr val="tx1"/>
                 </a:solidFill>
@@ -1183,31 +1552,7 @@
                 <a:ea typeface="+mn-ea"/>
                 <a:cs typeface="+mn-cs"/>
               </a:rPr>
-              <a:t>定义。</a:t>
-            </a:r>
-            <a:r>
-              <a:rPr lang="en-US" altLang="zh-CN" sz="1200" kern="1200" dirty="0" smtClean="0">
-                <a:solidFill>
-                  <a:schemeClr val="tx1"/>
-                </a:solidFill>
-                <a:effectLst/>
-                <a:latin typeface="+mn-lt"/>
-                <a:ea typeface="+mn-ea"/>
-                <a:cs typeface="+mn-cs"/>
-              </a:rPr>
-              <a:t>RDD</a:t>
-            </a:r>
-            <a:r>
-              <a:rPr lang="zh-CN" altLang="zh-CN" sz="1200" kern="1200" dirty="0" smtClean="0">
-                <a:solidFill>
-                  <a:schemeClr val="tx1"/>
-                </a:solidFill>
-                <a:effectLst/>
-                <a:latin typeface="+mn-lt"/>
-                <a:ea typeface="+mn-ea"/>
-                <a:cs typeface="+mn-cs"/>
-              </a:rPr>
-              <a:t>表示分布在多个计算节点上可以并行操作的元素集合，是</a:t>
+              <a:t>是</a:t>
             </a:r>
             <a:r>
               <a:rPr lang="en-US" altLang="zh-CN" sz="1200" kern="1200" dirty="0" smtClean="0">
@@ -1222,7 +1567,7 @@
               <a:t>Spark</a:t>
             </a:r>
             <a:r>
-              <a:rPr lang="zh-CN" altLang="zh-CN" sz="1200" kern="1200" dirty="0" smtClean="0">
+              <a:rPr lang="zh-CN" altLang="en-US" sz="1200" kern="1200" dirty="0" smtClean="0">
                 <a:solidFill>
                   <a:schemeClr val="tx1"/>
                 </a:solidFill>
@@ -1231,7 +1576,7 @@
                 <a:ea typeface="+mn-ea"/>
                 <a:cs typeface="+mn-cs"/>
               </a:rPr>
-              <a:t>主要的编程抽象。</a:t>
+              <a:t>的基本代码库，使用</a:t>
             </a:r>
             <a:r>
               <a:rPr lang="en-US" altLang="zh-CN" sz="1200" kern="1200" dirty="0" smtClean="0">
@@ -1243,10 +1588,10 @@
                 <a:ea typeface="+mn-ea"/>
                 <a:cs typeface="+mn-cs"/>
               </a:rPr>
-              <a:t>Spark SQL</a:t>
-            </a:r>
-            <a:r>
-              <a:rPr lang="zh-CN" altLang="zh-CN" sz="1200" kern="1200" dirty="0" smtClean="0">
+              <a:t>Scala</a:t>
+            </a:r>
+            <a:r>
+              <a:rPr lang="zh-CN" altLang="en-US" sz="1200" kern="1200" dirty="0" smtClean="0">
                 <a:solidFill>
                   <a:schemeClr val="tx1"/>
                 </a:solidFill>
@@ -1255,7 +1600,7 @@
                 <a:ea typeface="+mn-ea"/>
                 <a:cs typeface="+mn-cs"/>
               </a:rPr>
-              <a:t>是</a:t>
+              <a:t>语言实现了</a:t>
             </a:r>
             <a:r>
               <a:rPr lang="en-US" altLang="zh-CN" sz="1200" kern="1200" dirty="0" smtClean="0">
@@ -1270,7 +1615,7 @@
               <a:t>Spark</a:t>
             </a:r>
             <a:r>
-              <a:rPr lang="zh-CN" altLang="zh-CN" sz="1200" kern="1200" dirty="0" smtClean="0">
+              <a:rPr lang="zh-CN" altLang="en-US" sz="1200" kern="1200" dirty="0" smtClean="0">
                 <a:solidFill>
                   <a:schemeClr val="tx1"/>
                 </a:solidFill>
@@ -1279,10 +1624,38 @@
                 <a:ea typeface="+mn-ea"/>
                 <a:cs typeface="+mn-cs"/>
               </a:rPr>
-              <a:t>用来操作结构化数据的程序包，通过</a:t>
-            </a:r>
-            <a:r>
-              <a:rPr lang="en-US" altLang="zh-CN" sz="1200" kern="1200" dirty="0" smtClean="0">
+              <a:t>的基本功能。</a:t>
+            </a:r>
+            <a:endParaRPr lang="en-US" altLang="zh-CN" sz="1200" kern="1200" dirty="0" smtClean="0">
+              <a:solidFill>
+                <a:schemeClr val="tx1"/>
+              </a:solidFill>
+              <a:effectLst/>
+              <a:latin typeface="+mn-lt"/>
+              <a:ea typeface="+mn-ea"/>
+              <a:cs typeface="+mn-cs"/>
+            </a:endParaRPr>
+          </a:p>
+          <a:p>
+            <a:pPr marL="0" marR="0" indent="0" algn="l" defTabSz="914400" rtl="0" eaLnBrk="1" fontAlgn="auto" latinLnBrk="0" hangingPunct="1">
+              <a:lnSpc>
+                <a:spcPct val="100000"/>
+              </a:lnSpc>
+              <a:spcBef>
+                <a:spcPts val="0"/>
+              </a:spcBef>
+              <a:spcAft>
+                <a:spcPts val="0"/>
+              </a:spcAft>
+              <a:buClrTx/>
+              <a:buSzTx/>
+              <a:buFontTx/>
+              <a:buNone/>
+              <a:tabLst/>
+              <a:defRPr/>
+            </a:pPr>
+            <a:r>
+              <a:rPr lang="zh-CN" altLang="en-US" sz="1200" kern="1200" dirty="0" smtClean="0">
                 <a:solidFill>
                   <a:schemeClr val="tx1"/>
                 </a:solidFill>
@@ -1291,10 +1664,10 @@
                 <a:ea typeface="+mn-ea"/>
                 <a:cs typeface="+mn-cs"/>
               </a:rPr>
-              <a:t>Spark SQL</a:t>
-            </a:r>
-            <a:r>
-              <a:rPr lang="zh-CN" altLang="zh-CN" sz="1200" kern="1200" dirty="0" smtClean="0">
+              <a:t>上面是</a:t>
+            </a:r>
+            <a:r>
+              <a:rPr lang="en-US" altLang="zh-CN" sz="1200" kern="1200" dirty="0" smtClean="0">
                 <a:solidFill>
                   <a:schemeClr val="tx1"/>
                 </a:solidFill>
@@ -1303,10 +1676,10 @@
                 <a:ea typeface="+mn-ea"/>
                 <a:cs typeface="+mn-cs"/>
               </a:rPr>
-              <a:t>，我们可以使用</a:t>
-            </a:r>
-            <a:r>
-              <a:rPr lang="en-US" altLang="zh-CN" sz="1200" kern="1200" dirty="0" smtClean="0">
+              <a:t>Spark</a:t>
+            </a:r>
+            <a:r>
+              <a:rPr lang="zh-CN" altLang="en-US" sz="1200" kern="1200" dirty="0" smtClean="0">
                 <a:solidFill>
                   <a:schemeClr val="tx1"/>
                 </a:solidFill>
@@ -1315,10 +1688,10 @@
                 <a:ea typeface="+mn-ea"/>
                 <a:cs typeface="+mn-cs"/>
               </a:rPr>
-              <a:t>SQL</a:t>
-            </a:r>
-            <a:r>
-              <a:rPr lang="zh-CN" altLang="zh-CN" sz="1200" kern="1200" dirty="0" smtClean="0">
+              <a:t>的四个模块，分别是处理结构化数据的</a:t>
+            </a:r>
+            <a:r>
+              <a:rPr lang="en-US" altLang="zh-CN" sz="1200" kern="1200" dirty="0" smtClean="0">
                 <a:solidFill>
                   <a:schemeClr val="tx1"/>
                 </a:solidFill>
@@ -1327,10 +1700,34 @@
                 <a:ea typeface="+mn-ea"/>
                 <a:cs typeface="+mn-cs"/>
               </a:rPr>
-              <a:t>来进行数据查询。</a:t>
-            </a:r>
-            <a:r>
-              <a:rPr lang="en-US" altLang="zh-CN" sz="1200" kern="1200" dirty="0" smtClean="0">
+              <a:t>Spark</a:t>
+            </a:r>
+            <a:r>
+              <a:rPr lang="en-US" altLang="zh-CN" sz="1200" kern="1200" baseline="0" dirty="0" smtClean="0">
+                <a:solidFill>
+                  <a:schemeClr val="tx1"/>
+                </a:solidFill>
+                <a:effectLst/>
+                <a:latin typeface="+mn-lt"/>
+                <a:ea typeface="+mn-ea"/>
+                <a:cs typeface="+mn-cs"/>
+              </a:rPr>
+              <a:t> SQL</a:t>
+            </a:r>
+            <a:r>
+              <a:rPr lang="zh-CN" altLang="en-US" sz="1200" kern="1200" baseline="0" dirty="0" smtClean="0">
+                <a:solidFill>
+                  <a:schemeClr val="tx1"/>
+                </a:solidFill>
+                <a:effectLst/>
+                <a:latin typeface="+mn-lt"/>
+                <a:ea typeface="+mn-ea"/>
+                <a:cs typeface="+mn-cs"/>
+              </a:rPr>
+              <a:t>，处理流数据的</a:t>
+            </a:r>
+            <a:r>
+              <a:rPr lang="en-US" altLang="zh-CN" sz="1200" kern="1200" baseline="0" dirty="0" smtClean="0">
                 <a:solidFill>
                   <a:schemeClr val="tx1"/>
                 </a:solidFill>
@@ -1342,7 +1739,7 @@
               <a:t>Spark Streaming</a:t>
             </a:r>
             <a:r>
-              <a:rPr lang="zh-CN" altLang="zh-CN" sz="1200" kern="1200" dirty="0" smtClean="0">
+              <a:rPr lang="zh-CN" altLang="en-US" sz="1200" kern="1200" baseline="0" dirty="0" smtClean="0">
                 <a:solidFill>
                   <a:schemeClr val="tx1"/>
                 </a:solidFill>
@@ -1351,10 +1748,58 @@
                 <a:ea typeface="+mn-ea"/>
                 <a:cs typeface="+mn-cs"/>
               </a:rPr>
-              <a:t>是</a:t>
-            </a:r>
-            <a:r>
-              <a:rPr lang="en-US" altLang="zh-CN" sz="1200" kern="1200" dirty="0" smtClean="0">
+              <a:t>，以及机器学习算法库 </a:t>
+            </a:r>
+            <a:r>
+              <a:rPr lang="en-US" altLang="zh-CN" sz="1200" kern="1200" baseline="0" dirty="0" err="1" smtClean="0">
+                <a:solidFill>
+                  <a:schemeClr val="tx1"/>
+                </a:solidFill>
+                <a:effectLst/>
+                <a:latin typeface="+mn-lt"/>
+                <a:ea typeface="+mn-ea"/>
+                <a:cs typeface="+mn-cs"/>
+              </a:rPr>
+              <a:t>Mlib</a:t>
+            </a:r>
+            <a:r>
+              <a:rPr lang="zh-CN" altLang="en-US" sz="1200" kern="1200" baseline="0" dirty="0" smtClean="0">
+                <a:solidFill>
+                  <a:schemeClr val="tx1"/>
+                </a:solidFill>
+                <a:effectLst/>
+                <a:latin typeface="+mn-lt"/>
+                <a:ea typeface="+mn-ea"/>
+                <a:cs typeface="+mn-cs"/>
+              </a:rPr>
+              <a:t>和图形算法库</a:t>
+            </a:r>
+            <a:r>
+              <a:rPr lang="en-US" altLang="zh-CN" sz="1200" kern="1200" baseline="0" dirty="0" err="1" smtClean="0">
+                <a:solidFill>
+                  <a:schemeClr val="tx1"/>
+                </a:solidFill>
+                <a:effectLst/>
+                <a:latin typeface="+mn-lt"/>
+                <a:ea typeface="+mn-ea"/>
+                <a:cs typeface="+mn-cs"/>
+              </a:rPr>
+              <a:t>GraphX</a:t>
+            </a:r>
+            <a:r>
+              <a:rPr lang="zh-CN" altLang="en-US" sz="1200" kern="1200" baseline="0" dirty="0" smtClean="0">
+                <a:solidFill>
+                  <a:schemeClr val="tx1"/>
+                </a:solidFill>
+                <a:effectLst/>
+                <a:latin typeface="+mn-lt"/>
+                <a:ea typeface="+mn-ea"/>
+                <a:cs typeface="+mn-cs"/>
+              </a:rPr>
+              <a:t>，下方是进行集群调度的工具，包括</a:t>
+            </a:r>
+            <a:r>
+              <a:rPr lang="en-US" altLang="zh-CN" sz="1200" kern="1200" baseline="0" dirty="0" smtClean="0">
                 <a:solidFill>
                   <a:schemeClr val="tx1"/>
                 </a:solidFill>
@@ -1366,7 +1811,7 @@
               <a:t>Spark</a:t>
             </a:r>
             <a:r>
-              <a:rPr lang="zh-CN" altLang="zh-CN" sz="1200" kern="1200" dirty="0" smtClean="0">
+              <a:rPr lang="zh-CN" altLang="en-US" sz="1200" kern="1200" baseline="0" dirty="0" smtClean="0">
                 <a:solidFill>
                   <a:schemeClr val="tx1"/>
                 </a:solidFill>
@@ -1375,10 +1820,10 @@
                 <a:ea typeface="+mn-ea"/>
                 <a:cs typeface="+mn-cs"/>
               </a:rPr>
-              <a:t>提供的对实时数据进行流式计算的组件，提供用来操作数据流的</a:t>
-            </a:r>
-            <a:r>
-              <a:rPr lang="en-US" altLang="zh-CN" sz="1200" kern="1200" dirty="0" smtClean="0">
+              <a:t>自带的独立调度器，并能够支持</a:t>
+            </a:r>
+            <a:r>
+              <a:rPr lang="en-US" altLang="zh-CN" sz="1200" kern="1200" baseline="0" dirty="0" smtClean="0">
                 <a:solidFill>
                   <a:schemeClr val="tx1"/>
                 </a:solidFill>
@@ -1387,10 +1832,10 @@
                 <a:ea typeface="+mn-ea"/>
                 <a:cs typeface="+mn-cs"/>
               </a:rPr>
-              <a:t>API</a:t>
-            </a:r>
-            <a:r>
-              <a:rPr lang="zh-CN" altLang="zh-CN" sz="1200" kern="1200" dirty="0" smtClean="0">
+              <a:t>Hadoop</a:t>
+            </a:r>
+            <a:r>
+              <a:rPr lang="zh-CN" altLang="en-US" sz="1200" kern="1200" baseline="0" dirty="0" smtClean="0">
                 <a:solidFill>
                   <a:schemeClr val="tx1"/>
                 </a:solidFill>
@@ -1399,10 +1844,10 @@
                 <a:ea typeface="+mn-ea"/>
                 <a:cs typeface="+mn-cs"/>
               </a:rPr>
-              <a:t>，并与</a:t>
-            </a:r>
-            <a:r>
-              <a:rPr lang="en-US" altLang="zh-CN" sz="1200" kern="1200" dirty="0" smtClean="0">
+              <a:t>的调度器</a:t>
+            </a:r>
+            <a:r>
+              <a:rPr lang="en-US" altLang="zh-CN" sz="1200" kern="1200" baseline="0" dirty="0" smtClean="0">
                 <a:solidFill>
                   <a:schemeClr val="tx1"/>
                 </a:solidFill>
@@ -1411,10 +1856,10 @@
                 <a:ea typeface="+mn-ea"/>
                 <a:cs typeface="+mn-cs"/>
               </a:rPr>
-              <a:t>Spark Core</a:t>
-            </a:r>
-            <a:r>
-              <a:rPr lang="zh-CN" altLang="zh-CN" sz="1200" kern="1200" dirty="0" smtClean="0">
+              <a:t>YARN</a:t>
+            </a:r>
+            <a:r>
+              <a:rPr lang="zh-CN" altLang="en-US" sz="1200" kern="1200" baseline="0" dirty="0" smtClean="0">
                 <a:solidFill>
                   <a:schemeClr val="tx1"/>
                 </a:solidFill>
@@ -1423,166 +1868,10 @@
                 <a:ea typeface="+mn-ea"/>
                 <a:cs typeface="+mn-cs"/>
               </a:rPr>
-              <a:t>中的</a:t>
-            </a:r>
-            <a:r>
-              <a:rPr lang="en-US" altLang="zh-CN" sz="1200" kern="1200" dirty="0" smtClean="0">
-                <a:solidFill>
-                  <a:schemeClr val="tx1"/>
-                </a:solidFill>
-                <a:effectLst/>
-                <a:latin typeface="+mn-lt"/>
-                <a:ea typeface="+mn-ea"/>
-                <a:cs typeface="+mn-cs"/>
-              </a:rPr>
-              <a:t>API</a:t>
-            </a:r>
-            <a:r>
-              <a:rPr lang="zh-CN" altLang="zh-CN" sz="1200" kern="1200" dirty="0" smtClean="0">
-                <a:solidFill>
-                  <a:schemeClr val="tx1"/>
-                </a:solidFill>
-                <a:effectLst/>
-                <a:latin typeface="+mn-lt"/>
-                <a:ea typeface="+mn-ea"/>
-                <a:cs typeface="+mn-cs"/>
-              </a:rPr>
-              <a:t>高度对应。</a:t>
-            </a:r>
-            <a:r>
-              <a:rPr lang="en-US" altLang="zh-CN" sz="1200" kern="1200" dirty="0" err="1" smtClean="0">
-                <a:solidFill>
-                  <a:schemeClr val="tx1"/>
-                </a:solidFill>
-                <a:effectLst/>
-                <a:latin typeface="+mn-lt"/>
-                <a:ea typeface="+mn-ea"/>
-                <a:cs typeface="+mn-cs"/>
-              </a:rPr>
-              <a:t>MLlib</a:t>
-            </a:r>
-            <a:r>
-              <a:rPr lang="zh-CN" altLang="zh-CN" sz="1200" kern="1200" dirty="0" smtClean="0">
-                <a:solidFill>
-                  <a:schemeClr val="tx1"/>
-                </a:solidFill>
-                <a:effectLst/>
-                <a:latin typeface="+mn-lt"/>
-                <a:ea typeface="+mn-ea"/>
-                <a:cs typeface="+mn-cs"/>
-              </a:rPr>
-              <a:t>提供了常见的机器学习功能的程序库，包含分类，回归，聚类，协同过滤等算法，还提供了模型评估，数据导入等额外功能支持。</a:t>
-            </a:r>
-            <a:r>
-              <a:rPr lang="en-US" altLang="zh-CN" sz="1200" kern="1200" dirty="0" err="1" smtClean="0">
-                <a:solidFill>
-                  <a:schemeClr val="tx1"/>
-                </a:solidFill>
-                <a:effectLst/>
-                <a:latin typeface="+mn-lt"/>
-                <a:ea typeface="+mn-ea"/>
-                <a:cs typeface="+mn-cs"/>
-              </a:rPr>
-              <a:t>GraphX</a:t>
-            </a:r>
-            <a:r>
-              <a:rPr lang="zh-CN" altLang="zh-CN" sz="1200" kern="1200" dirty="0" smtClean="0">
-                <a:solidFill>
-                  <a:schemeClr val="tx1"/>
-                </a:solidFill>
-                <a:effectLst/>
-                <a:latin typeface="+mn-lt"/>
-                <a:ea typeface="+mn-ea"/>
-                <a:cs typeface="+mn-cs"/>
-              </a:rPr>
-              <a:t>是用来操作图的程序库，可以进行并行的图计算，还支持针对图的各种操作，以及一些常用图算法。独立调度器是</a:t>
-            </a:r>
-            <a:r>
-              <a:rPr lang="en-US" altLang="zh-CN" sz="1200" kern="1200" dirty="0" smtClean="0">
-                <a:solidFill>
-                  <a:schemeClr val="tx1"/>
-                </a:solidFill>
-                <a:effectLst/>
-                <a:latin typeface="+mn-lt"/>
-                <a:ea typeface="+mn-ea"/>
-                <a:cs typeface="+mn-cs"/>
-              </a:rPr>
-              <a:t>Spark</a:t>
-            </a:r>
-            <a:r>
-              <a:rPr lang="zh-CN" altLang="zh-CN" sz="1200" kern="1200" dirty="0" smtClean="0">
-                <a:solidFill>
-                  <a:schemeClr val="tx1"/>
-                </a:solidFill>
-                <a:effectLst/>
-                <a:latin typeface="+mn-lt"/>
-                <a:ea typeface="+mn-ea"/>
-                <a:cs typeface="+mn-cs"/>
-              </a:rPr>
-              <a:t>自带的一个简易调度器，让</a:t>
-            </a:r>
-            <a:r>
-              <a:rPr lang="en-US" altLang="zh-CN" sz="1200" kern="1200" dirty="0" smtClean="0">
-                <a:solidFill>
-                  <a:schemeClr val="tx1"/>
-                </a:solidFill>
-                <a:effectLst/>
-                <a:latin typeface="+mn-lt"/>
-                <a:ea typeface="+mn-ea"/>
-                <a:cs typeface="+mn-cs"/>
-              </a:rPr>
-              <a:t>Spark</a:t>
-            </a:r>
-            <a:r>
-              <a:rPr lang="zh-CN" altLang="zh-CN" sz="1200" kern="1200" dirty="0" smtClean="0">
-                <a:solidFill>
-                  <a:schemeClr val="tx1"/>
-                </a:solidFill>
-                <a:effectLst/>
-                <a:latin typeface="+mn-lt"/>
-                <a:ea typeface="+mn-ea"/>
-                <a:cs typeface="+mn-cs"/>
-              </a:rPr>
-              <a:t>可以高效的在一个计算节点到数千个计算节点之间伸缩计算。同时支持</a:t>
-            </a:r>
-            <a:r>
-              <a:rPr lang="en-US" altLang="zh-CN" sz="1200" kern="1200" dirty="0" smtClean="0">
-                <a:solidFill>
-                  <a:schemeClr val="tx1"/>
-                </a:solidFill>
-                <a:effectLst/>
-                <a:latin typeface="+mn-lt"/>
-                <a:ea typeface="+mn-ea"/>
-                <a:cs typeface="+mn-cs"/>
-              </a:rPr>
-              <a:t>Hadoop YARN</a:t>
-            </a:r>
-            <a:r>
-              <a:rPr lang="zh-CN" altLang="zh-CN" sz="1200" kern="1200" dirty="0" smtClean="0">
-                <a:solidFill>
-                  <a:schemeClr val="tx1"/>
-                </a:solidFill>
-                <a:effectLst/>
-                <a:latin typeface="+mn-lt"/>
-                <a:ea typeface="+mn-ea"/>
-                <a:cs typeface="+mn-cs"/>
-              </a:rPr>
-              <a:t>、</a:t>
-            </a:r>
-            <a:r>
-              <a:rPr lang="en-US" altLang="zh-CN" sz="1200" kern="1200" dirty="0" smtClean="0">
-                <a:solidFill>
-                  <a:schemeClr val="tx1"/>
-                </a:solidFill>
-                <a:effectLst/>
-                <a:latin typeface="+mn-lt"/>
-                <a:ea typeface="+mn-ea"/>
-                <a:cs typeface="+mn-cs"/>
-              </a:rPr>
-              <a:t>Apache </a:t>
-            </a:r>
-            <a:r>
-              <a:rPr lang="en-US" altLang="zh-CN" sz="1200" kern="1200" dirty="0" err="1" smtClean="0">
+              <a:t>，</a:t>
+            </a:r>
+            <a:r>
+              <a:rPr lang="en-US" altLang="zh-CN" sz="1200" kern="1200" baseline="0" dirty="0" err="1" smtClean="0">
                 <a:solidFill>
                   <a:schemeClr val="tx1"/>
                 </a:solidFill>
@@ -1593,18 +1882,15 @@
               </a:rPr>
               <a:t>Mesos</a:t>
             </a:r>
-            <a:r>
-              <a:rPr lang="zh-CN" altLang="zh-CN" sz="1200" kern="1200" dirty="0" smtClean="0">
-                <a:solidFill>
-                  <a:schemeClr val="tx1"/>
-                </a:solidFill>
-                <a:effectLst/>
-                <a:latin typeface="+mn-lt"/>
-                <a:ea typeface="+mn-ea"/>
-                <a:cs typeface="+mn-cs"/>
-              </a:rPr>
-              <a:t>等常用的调度器。</a:t>
-            </a:r>
+            <a:endParaRPr lang="en-US" altLang="zh-CN" sz="1200" kern="1200" baseline="0" dirty="0" smtClean="0">
+              <a:solidFill>
+                <a:schemeClr val="tx1"/>
+              </a:solidFill>
+              <a:effectLst/>
+              <a:latin typeface="+mn-lt"/>
+              <a:ea typeface="+mn-ea"/>
+              <a:cs typeface="+mn-cs"/>
+            </a:endParaRPr>
           </a:p>
           <a:p>
             <a:endParaRPr lang="zh-CN" altLang="en-US" dirty="0"/>
@@ -1638,6 +1924,126 @@
     <p:extLst>
       <p:ext uri="{BB962C8B-B14F-4D97-AF65-F5344CB8AC3E}">
         <p14:creationId xmlns:p14="http://schemas.microsoft.com/office/powerpoint/2010/main" val="3466420051"/>
+      </p:ext>
+    </p:extLst>
+  </p:cSld>
+  <p:clrMapOvr>
+    <a:masterClrMapping/>
+  </p:clrMapOvr>
+</p:notes>
+</file>
+
+<file path=ppt/notesSlides/notesSlide7.xml><?xml version="1.0" encoding="utf-8"?>
+<p:notes xmlns:a="http://schemas.openxmlformats.org/drawingml/2006/main" xmlns:r="http://schemas.openxmlformats.org/officeDocument/2006/relationships" xmlns:p="http://schemas.openxmlformats.org/presentationml/2006/main">
+  <p:cSld>
+    <p:spTree>
+      <p:nvGrpSpPr>
+        <p:cNvPr id="1" name=""/>
+        <p:cNvGrpSpPr/>
+        <p:nvPr/>
+      </p:nvGrpSpPr>
+      <p:grpSpPr>
+        <a:xfrm>
+          <a:off x="0" y="0"/>
+          <a:ext cx="0" cy="0"/>
+          <a:chOff x="0" y="0"/>
+          <a:chExt cx="0" cy="0"/>
+        </a:xfrm>
+      </p:grpSpPr>
+      <p:sp>
+        <p:nvSpPr>
+          <p:cNvPr id="2" name="幻灯片图像占位符 1"/>
+          <p:cNvSpPr>
+            <a:spLocks noGrp="1" noRot="1" noChangeAspect="1"/>
+          </p:cNvSpPr>
+          <p:nvPr>
+            <p:ph type="sldImg"/>
+          </p:nvPr>
+        </p:nvSpPr>
+        <p:spPr/>
+      </p:sp>
+      <p:sp>
+        <p:nvSpPr>
+          <p:cNvPr id="3" name="备注占位符 2"/>
+          <p:cNvSpPr>
+            <a:spLocks noGrp="1"/>
+          </p:cNvSpPr>
+          <p:nvPr>
+            <p:ph type="body" idx="1"/>
+          </p:nvPr>
+        </p:nvSpPr>
+        <p:spPr/>
+        <p:txBody>
+          <a:bodyPr/>
+          <a:lstStyle/>
+          <a:p>
+            <a:r>
+              <a:rPr lang="zh-CN" altLang="en-US" dirty="0" smtClean="0"/>
+              <a:t>系统主要分为三个模块，分别是数据采集，数据分析，数据显示</a:t>
+            </a:r>
+            <a:endParaRPr lang="en-US" altLang="zh-CN" dirty="0" smtClean="0"/>
+          </a:p>
+          <a:p>
+            <a:endParaRPr lang="en-US" altLang="zh-CN" dirty="0" smtClean="0"/>
+          </a:p>
+          <a:p>
+            <a:r>
+              <a:rPr lang="zh-CN" altLang="en-US" dirty="0" smtClean="0"/>
+              <a:t>数据采集可以使用自然语言处理算法将日志数据处理，对其进行特征提取，提取出日志中的有用信息</a:t>
+            </a:r>
+            <a:endParaRPr lang="en-US" altLang="zh-CN" dirty="0" smtClean="0"/>
+          </a:p>
+          <a:p>
+            <a:r>
+              <a:rPr lang="zh-CN" altLang="en-US" dirty="0" smtClean="0"/>
+              <a:t>数据分析则基于规则对日志进行实时匹配，对每条日志检索是否符合某一特征，如果符合则形成一个事件。</a:t>
+            </a:r>
+            <a:endParaRPr lang="en-US" altLang="zh-CN" dirty="0" smtClean="0"/>
+          </a:p>
+          <a:p>
+            <a:r>
+              <a:rPr lang="zh-CN" altLang="en-US" dirty="0" smtClean="0"/>
+              <a:t>最后采用可视化的方法，以</a:t>
+            </a:r>
+            <a:r>
+              <a:rPr lang="en-US" altLang="zh-CN" dirty="0" smtClean="0"/>
+              <a:t>web</a:t>
+            </a:r>
+            <a:r>
+              <a:rPr lang="zh-CN" altLang="en-US" dirty="0" smtClean="0"/>
+              <a:t>的形式将数据结果展现出来。</a:t>
+            </a:r>
+            <a:endParaRPr lang="en-US" altLang="zh-CN" dirty="0" smtClean="0"/>
+          </a:p>
+        </p:txBody>
+      </p:sp>
+      <p:sp>
+        <p:nvSpPr>
+          <p:cNvPr id="4" name="灯片编号占位符 3"/>
+          <p:cNvSpPr>
+            <a:spLocks noGrp="1"/>
+          </p:cNvSpPr>
+          <p:nvPr>
+            <p:ph type="sldNum" sz="quarter" idx="10"/>
+          </p:nvPr>
+        </p:nvSpPr>
+        <p:spPr/>
+        <p:txBody>
+          <a:bodyPr/>
+          <a:lstStyle/>
+          <a:p>
+            <a:fld id="{3DE30F68-2A6D-4112-B9F9-8D7F66024875}" type="slidenum">
+              <a:rPr lang="zh-CN" altLang="en-US" smtClean="0"/>
+              <a:t>8</a:t>
+            </a:fld>
+            <a:endParaRPr lang="zh-CN" altLang="en-US"/>
+          </a:p>
+        </p:txBody>
+      </p:sp>
+    </p:spTree>
+    <p:extLst>
+      <p:ext uri="{BB962C8B-B14F-4D97-AF65-F5344CB8AC3E}">
+        <p14:creationId xmlns:p14="http://schemas.microsoft.com/office/powerpoint/2010/main" val="1599270580"/>
       </p:ext>
     </p:extLst>
   </p:cSld>
@@ -1873,7 +2279,7 @@
           <a:p>
             <a:fld id="{05DCF893-EBA1-4ACA-9297-FA6150ED13FE}" type="datetimeFigureOut">
               <a:rPr lang="zh-CN" altLang="en-US" smtClean="0"/>
-              <a:t>2017/4/23</a:t>
+              <a:t>2017/4/25</a:t>
             </a:fld>
             <a:endParaRPr lang="zh-CN" altLang="en-US"/>
           </a:p>
@@ -2081,7 +2487,7 @@
           <a:p>
             <a:fld id="{05DCF893-EBA1-4ACA-9297-FA6150ED13FE}" type="datetimeFigureOut">
               <a:rPr lang="zh-CN" altLang="en-US" smtClean="0"/>
-              <a:t>2017/4/23</a:t>
+              <a:t>2017/4/25</a:t>
             </a:fld>
             <a:endParaRPr lang="zh-CN" altLang="en-US"/>
           </a:p>
@@ -2337,7 +2743,7 @@
           <a:p>
             <a:fld id="{05DCF893-EBA1-4ACA-9297-FA6150ED13FE}" type="datetimeFigureOut">
               <a:rPr lang="zh-CN" altLang="en-US" smtClean="0"/>
-              <a:t>2017/4/23</a:t>
+              <a:t>2017/4/25</a:t>
             </a:fld>
             <a:endParaRPr lang="zh-CN" altLang="en-US"/>
           </a:p>
@@ -2511,7 +2917,7 @@
           <a:p>
             <a:fld id="{05DCF893-EBA1-4ACA-9297-FA6150ED13FE}" type="datetimeFigureOut">
               <a:rPr lang="zh-CN" altLang="en-US" smtClean="0"/>
-              <a:t>2017/4/23</a:t>
+              <a:t>2017/4/25</a:t>
             </a:fld>
             <a:endParaRPr lang="zh-CN" altLang="en-US"/>
           </a:p>
@@ -2854,7 +3260,7 @@
           <a:p>
             <a:fld id="{05DCF893-EBA1-4ACA-9297-FA6150ED13FE}" type="datetimeFigureOut">
               <a:rPr lang="zh-CN" altLang="en-US" smtClean="0"/>
-              <a:t>2017/4/23</a:t>
+              <a:t>2017/4/25</a:t>
             </a:fld>
             <a:endParaRPr lang="zh-CN" altLang="en-US"/>
           </a:p>
@@ -3129,7 +3535,7 @@
           <a:p>
             <a:fld id="{05DCF893-EBA1-4ACA-9297-FA6150ED13FE}" type="datetimeFigureOut">
               <a:rPr lang="zh-CN" altLang="en-US" smtClean="0"/>
-              <a:t>2017/4/23</a:t>
+              <a:t>2017/4/25</a:t>
             </a:fld>
             <a:endParaRPr lang="zh-CN" altLang="en-US"/>
           </a:p>
@@ -3508,7 +3914,7 @@
           <a:p>
             <a:fld id="{05DCF893-EBA1-4ACA-9297-FA6150ED13FE}" type="datetimeFigureOut">
               <a:rPr lang="zh-CN" altLang="en-US" smtClean="0"/>
-              <a:t>2017/4/23</a:t>
+              <a:t>2017/4/25</a:t>
             </a:fld>
             <a:endParaRPr lang="zh-CN" altLang="en-US"/>
           </a:p>
@@ -3626,7 +4032,7 @@
           <a:p>
             <a:fld id="{05DCF893-EBA1-4ACA-9297-FA6150ED13FE}" type="datetimeFigureOut">
               <a:rPr lang="zh-CN" altLang="en-US" smtClean="0"/>
-              <a:t>2017/4/23</a:t>
+              <a:t>2017/4/25</a:t>
             </a:fld>
             <a:endParaRPr lang="zh-CN" altLang="en-US"/>
           </a:p>
@@ -3797,7 +4203,7 @@
           <a:p>
             <a:fld id="{05DCF893-EBA1-4ACA-9297-FA6150ED13FE}" type="datetimeFigureOut">
               <a:rPr lang="zh-CN" altLang="en-US" smtClean="0"/>
-              <a:t>2017/4/23</a:t>
+              <a:t>2017/4/25</a:t>
             </a:fld>
             <a:endParaRPr lang="zh-CN" altLang="en-US"/>
           </a:p>
@@ -4151,7 +4557,7 @@
           <a:p>
             <a:fld id="{05DCF893-EBA1-4ACA-9297-FA6150ED13FE}" type="datetimeFigureOut">
               <a:rPr lang="zh-CN" altLang="en-US" smtClean="0"/>
-              <a:t>2017/4/23</a:t>
+              <a:t>2017/4/25</a:t>
             </a:fld>
             <a:endParaRPr lang="zh-CN" altLang="en-US"/>
           </a:p>
@@ -4533,7 +4939,7 @@
           <a:p>
             <a:fld id="{05DCF893-EBA1-4ACA-9297-FA6150ED13FE}" type="datetimeFigureOut">
               <a:rPr lang="zh-CN" altLang="en-US" smtClean="0"/>
-              <a:t>2017/4/23</a:t>
+              <a:t>2017/4/25</a:t>
             </a:fld>
             <a:endParaRPr lang="zh-CN" altLang="en-US"/>
           </a:p>
@@ -4820,7 +5226,7 @@
           <a:p>
             <a:fld id="{05DCF893-EBA1-4ACA-9297-FA6150ED13FE}" type="datetimeFigureOut">
               <a:rPr lang="zh-CN" altLang="en-US" smtClean="0"/>
-              <a:t>2017/4/23</a:t>
+              <a:t>2017/4/25</a:t>
             </a:fld>
             <a:endParaRPr lang="zh-CN" altLang="en-US"/>
           </a:p>
@@ -5508,6 +5914,141 @@
           <a:p>
             <a:r>
               <a:rPr lang="zh-CN" altLang="en-US" dirty="0"/>
+              <a:t>研究规划</a:t>
+            </a:r>
+          </a:p>
+        </p:txBody>
+      </p:sp>
+      <p:sp>
+        <p:nvSpPr>
+          <p:cNvPr id="3" name="内容占位符 2"/>
+          <p:cNvSpPr>
+            <a:spLocks noGrp="1"/>
+          </p:cNvSpPr>
+          <p:nvPr>
+            <p:ph idx="1"/>
+          </p:nvPr>
+        </p:nvSpPr>
+        <p:spPr/>
+        <p:txBody>
+          <a:bodyPr/>
+          <a:lstStyle/>
+          <a:p>
+            <a:r>
+              <a:rPr lang="zh-CN" altLang="en-US" dirty="0"/>
+              <a:t>研究现</a:t>
+            </a:r>
+            <a:r>
+              <a:rPr lang="zh-CN" altLang="en-US" dirty="0" smtClean="0"/>
+              <a:t>状</a:t>
+            </a:r>
+            <a:endParaRPr lang="en-US" altLang="zh-CN" dirty="0" smtClean="0"/>
+          </a:p>
+          <a:p>
+            <a:endParaRPr lang="en-US" altLang="zh-CN" dirty="0"/>
+          </a:p>
+          <a:p>
+            <a:r>
+              <a:rPr lang="zh-CN" altLang="en-US" dirty="0" smtClean="0"/>
+              <a:t>搭建开发环境</a:t>
+            </a:r>
+            <a:endParaRPr lang="en-US" altLang="zh-CN" dirty="0" smtClean="0"/>
+          </a:p>
+          <a:p>
+            <a:endParaRPr lang="en-US" altLang="zh-CN" dirty="0"/>
+          </a:p>
+          <a:p>
+            <a:r>
+              <a:rPr lang="en-US" altLang="zh-CN" dirty="0" smtClean="0"/>
+              <a:t>Amazon AWS</a:t>
+            </a:r>
+            <a:r>
+              <a:rPr lang="zh-CN" altLang="en-US" dirty="0"/>
+              <a:t>获</a:t>
+            </a:r>
+            <a:r>
+              <a:rPr lang="zh-CN" altLang="en-US" dirty="0" smtClean="0"/>
+              <a:t>取</a:t>
+            </a:r>
+            <a:r>
+              <a:rPr lang="zh-CN" altLang="en-US" dirty="0"/>
+              <a:t>公</a:t>
+            </a:r>
+            <a:r>
+              <a:rPr lang="zh-CN" altLang="en-US" dirty="0" smtClean="0"/>
+              <a:t>开数据集 </a:t>
+            </a:r>
+            <a:endParaRPr lang="en-US" altLang="zh-CN" dirty="0" smtClean="0"/>
+          </a:p>
+          <a:p>
+            <a:pPr lvl="1"/>
+            <a:r>
+              <a:rPr lang="zh-CN" altLang="en-US" dirty="0"/>
+              <a:t>维基百</a:t>
+            </a:r>
+            <a:r>
+              <a:rPr lang="zh-CN" altLang="en-US" dirty="0" smtClean="0"/>
+              <a:t>科浏览记录，</a:t>
+            </a:r>
+            <a:r>
+              <a:rPr lang="en-US" altLang="zh-CN" dirty="0" err="1" smtClean="0"/>
+              <a:t>Youtube</a:t>
+            </a:r>
+            <a:r>
+              <a:rPr lang="zh-CN" altLang="en-US" dirty="0" smtClean="0"/>
+              <a:t>播放记录</a:t>
+            </a:r>
+            <a:endParaRPr lang="zh-CN" altLang="en-US" dirty="0"/>
+          </a:p>
+        </p:txBody>
+      </p:sp>
+    </p:spTree>
+    <p:extLst>
+      <p:ext uri="{BB962C8B-B14F-4D97-AF65-F5344CB8AC3E}">
+        <p14:creationId xmlns:p14="http://schemas.microsoft.com/office/powerpoint/2010/main" val="2617290219"/>
+      </p:ext>
+    </p:extLst>
+  </p:cSld>
+  <p:clrMapOvr>
+    <a:masterClrMapping/>
+  </p:clrMapOvr>
+</p:sld>
+</file>
+
+<file path=ppt/slides/slide11.xml><?xml version="1.0" encoding="utf-8"?>
+<p:sld xmlns:a="http://schemas.openxmlformats.org/drawingml/2006/main" xmlns:r="http://schemas.openxmlformats.org/officeDocument/2006/relationships" xmlns:p="http://schemas.openxmlformats.org/presentationml/2006/main">
+  <p:cSld>
+    <p:spTree>
+      <p:nvGrpSpPr>
+        <p:cNvPr id="1" name=""/>
+        <p:cNvGrpSpPr/>
+        <p:nvPr/>
+      </p:nvGrpSpPr>
+      <p:grpSpPr>
+        <a:xfrm>
+          <a:off x="0" y="0"/>
+          <a:ext cx="0" cy="0"/>
+          <a:chOff x="0" y="0"/>
+          <a:chExt cx="0" cy="0"/>
+        </a:xfrm>
+      </p:grpSpPr>
+      <p:sp>
+        <p:nvSpPr>
+          <p:cNvPr id="2" name="标题 1"/>
+          <p:cNvSpPr>
+            <a:spLocks noGrp="1"/>
+          </p:cNvSpPr>
+          <p:nvPr>
+            <p:ph type="title"/>
+          </p:nvPr>
+        </p:nvSpPr>
+        <p:spPr/>
+        <p:txBody>
+          <a:bodyPr/>
+          <a:lstStyle/>
+          <a:p>
+            <a:r>
+              <a:rPr lang="zh-CN" altLang="en-US" dirty="0"/>
               <a:t>参考文献</a:t>
             </a:r>
           </a:p>
@@ -5774,7 +6315,7 @@
 </p:sld>
 </file>
 
-<file path=ppt/slides/slide11.xml><?xml version="1.0" encoding="utf-8"?>
+<file path=ppt/slides/slide12.xml><?xml version="1.0" encoding="utf-8"?>
 <p:sld xmlns:a="http://schemas.openxmlformats.org/drawingml/2006/main" xmlns:r="http://schemas.openxmlformats.org/officeDocument/2006/relationships" xmlns:p="http://schemas.openxmlformats.org/presentationml/2006/main">
   <p:cSld>
     <p:spTree>
@@ -6330,15 +6871,7 @@
             </a:pPr>
             <a:r>
               <a:rPr lang="en-US" altLang="zh-CN" dirty="0" smtClean="0"/>
-              <a:t> </a:t>
-            </a:r>
-            <a:r>
-              <a:rPr lang="en-US" altLang="zh-CN" dirty="0" smtClean="0"/>
-              <a:t>1</a:t>
-            </a:r>
-            <a:r>
-              <a:rPr lang="en-US" altLang="zh-CN" dirty="0" smtClean="0"/>
-              <a:t>. </a:t>
+              <a:t> 1. </a:t>
             </a:r>
             <a:r>
               <a:rPr lang="zh-CN" altLang="en-US" dirty="0"/>
@@ -6346,11 +6879,7 @@
             </a:r>
             <a:r>
               <a:rPr lang="zh-CN" altLang="en-US" dirty="0" smtClean="0"/>
-              <a:t>题背</a:t>
-            </a:r>
-            <a:r>
-              <a:rPr lang="zh-CN" altLang="en-US" dirty="0" smtClean="0"/>
-              <a:t>景</a:t>
+              <a:t>题背景</a:t>
             </a:r>
             <a:endParaRPr lang="en-US" altLang="zh-CN" dirty="0" smtClean="0"/>
           </a:p>
@@ -6414,11 +6943,7 @@
             </a:pPr>
             <a:r>
               <a:rPr lang="en-US" altLang="zh-CN" dirty="0" smtClean="0"/>
-              <a:t> </a:t>
-            </a:r>
-            <a:r>
-              <a:rPr lang="en-US" altLang="zh-CN" dirty="0" smtClean="0"/>
-              <a:t>5. </a:t>
+              <a:t> 5. </a:t>
             </a:r>
             <a:r>
               <a:rPr lang="zh-CN" altLang="en-US" dirty="0" smtClean="0"/>
@@ -6511,30 +7036,30 @@
           </a:p>
           <a:p>
             <a:r>
+              <a:rPr lang="zh-CN" altLang="en-US" dirty="0"/>
+              <a:t>日志类型多</a:t>
+            </a:r>
+            <a:endParaRPr lang="en-US" altLang="zh-CN" dirty="0"/>
+          </a:p>
+          <a:p>
+            <a:endParaRPr lang="en-US" altLang="zh-CN" dirty="0"/>
+          </a:p>
+          <a:p>
+            <a:r>
+              <a:rPr lang="zh-CN" altLang="en-US" dirty="0"/>
+              <a:t>日志速度快</a:t>
+            </a:r>
+            <a:endParaRPr lang="en-US" altLang="zh-CN" dirty="0"/>
+          </a:p>
+          <a:p>
+            <a:endParaRPr lang="en-US" altLang="zh-CN" dirty="0"/>
+          </a:p>
+          <a:p>
+            <a:r>
               <a:rPr lang="zh-CN" altLang="en-US" dirty="0" smtClean="0"/>
               <a:t>日志价值高</a:t>
             </a:r>
             <a:endParaRPr lang="en-US" altLang="zh-CN" dirty="0" smtClean="0"/>
-          </a:p>
-          <a:p>
-            <a:endParaRPr lang="en-US" altLang="zh-CN" dirty="0" smtClean="0"/>
-          </a:p>
-          <a:p>
-            <a:r>
-              <a:rPr lang="zh-CN" altLang="en-US" dirty="0" smtClean="0"/>
-              <a:t>日志类型多</a:t>
-            </a:r>
-            <a:endParaRPr lang="en-US" altLang="zh-CN" dirty="0" smtClean="0"/>
-          </a:p>
-          <a:p>
-            <a:endParaRPr lang="en-US" altLang="zh-CN" dirty="0"/>
-          </a:p>
-          <a:p>
-            <a:r>
-              <a:rPr lang="zh-CN" altLang="en-US" dirty="0" smtClean="0"/>
-              <a:t>日志速度快</a:t>
-            </a:r>
-            <a:endParaRPr lang="en-US" altLang="zh-CN" dirty="0"/>
           </a:p>
           <a:p>
             <a:endParaRPr lang="en-US" altLang="zh-CN" dirty="0" smtClean="0"/>
@@ -6595,7 +7120,7 @@
           <p:nvPr/>
         </p:nvPicPr>
         <p:blipFill>
-          <a:blip r:embed="rId2"/>
+          <a:blip r:embed="rId3"/>
           <a:stretch>
             <a:fillRect/>
           </a:stretch>
@@ -6619,7 +7144,7 @@
           <p:nvPr/>
         </p:nvPicPr>
         <p:blipFill>
-          <a:blip r:embed="rId3"/>
+          <a:blip r:embed="rId4"/>
           <a:stretch>
             <a:fillRect/>
           </a:stretch>
@@ -6643,7 +7168,7 @@
           <p:nvPr/>
         </p:nvPicPr>
         <p:blipFill>
-          <a:blip r:embed="rId4">
+          <a:blip r:embed="rId5">
             <a:extLst>
               <a:ext uri="{28A0092B-C50C-407E-A947-70E740481C1C}">
                 <a14:useLocalDpi xmlns:a14="http://schemas.microsoft.com/office/drawing/2010/main" val="0"/>
@@ -6851,6 +7376,30 @@
           <a:chExt cx="0" cy="0"/>
         </a:xfrm>
       </p:grpSpPr>
+      <p:pic>
+        <p:nvPicPr>
+          <p:cNvPr id="3" name="图片 2"/>
+          <p:cNvPicPr>
+            <a:picLocks noChangeAspect="1"/>
+          </p:cNvPicPr>
+          <p:nvPr/>
+        </p:nvPicPr>
+        <p:blipFill>
+          <a:blip r:embed="rId3"/>
+          <a:stretch>
+            <a:fillRect/>
+          </a:stretch>
+        </p:blipFill>
+        <p:spPr>
+          <a:xfrm>
+            <a:off x="7205812" y="4266299"/>
+            <a:ext cx="1777677" cy="1777677"/>
+          </a:xfrm>
+          <a:prstGeom prst="rect">
+            <a:avLst/>
+          </a:prstGeom>
+        </p:spPr>
+      </p:pic>
       <p:sp>
         <p:nvSpPr>
           <p:cNvPr id="2" name="标题 1"/>
@@ -6883,7 +7432,7 @@
           <p:nvPr/>
         </p:nvPicPr>
         <p:blipFill>
-          <a:blip r:embed="rId3"/>
+          <a:blip r:embed="rId4"/>
           <a:stretch>
             <a:fillRect/>
           </a:stretch>
@@ -6907,7 +7456,7 @@
           <p:nvPr/>
         </p:nvPicPr>
         <p:blipFill>
-          <a:blip r:embed="rId4"/>
+          <a:blip r:embed="rId5"/>
           <a:stretch>
             <a:fillRect/>
           </a:stretch>
@@ -6933,7 +7482,7 @@
           </p:nvPr>
         </p:nvPicPr>
         <p:blipFill>
-          <a:blip r:embed="rId5" cstate="print">
+          <a:blip r:embed="rId6" cstate="print">
             <a:extLst>
               <a:ext uri="{28A0092B-C50C-407E-A947-70E740481C1C}">
                 <a14:useLocalDpi xmlns:a14="http://schemas.microsoft.com/office/drawing/2010/main" val="0"/>
@@ -7013,7 +7562,7 @@
           <p:nvPr/>
         </p:nvPicPr>
         <p:blipFill>
-          <a:blip r:embed="rId6"/>
+          <a:blip r:embed="rId7"/>
           <a:stretch>
             <a:fillRect/>
           </a:stretch>
@@ -7704,25 +8253,21 @@
           <a:p>
             <a:r>
               <a:rPr lang="zh-CN" altLang="en-US" dirty="0" smtClean="0"/>
-              <a:t>数据采</a:t>
-            </a:r>
+              <a:t>数据采集：自然语言处理，特征提取</a:t>
+            </a:r>
+            <a:endParaRPr lang="en-US" altLang="zh-CN" dirty="0" smtClean="0"/>
+          </a:p>
+          <a:p>
+            <a:endParaRPr lang="en-US" altLang="zh-CN" dirty="0"/>
+          </a:p>
+          <a:p>
             <a:r>
               <a:rPr lang="zh-CN" altLang="en-US" dirty="0" smtClean="0"/>
-              <a:t>集：自然语言处理，特征提取</a:t>
-            </a:r>
-            <a:endParaRPr lang="en-US" altLang="zh-CN" dirty="0" smtClean="0"/>
-          </a:p>
-          <a:p>
-            <a:endParaRPr lang="en-US" altLang="zh-CN" dirty="0"/>
-          </a:p>
-          <a:p>
+              <a:t>数据分析</a:t>
+            </a:r>
             <a:r>
               <a:rPr lang="zh-CN" altLang="en-US" dirty="0" smtClean="0"/>
-              <a:t>数据分</a:t>
-            </a:r>
-            <a:r>
-              <a:rPr lang="zh-CN" altLang="en-US" dirty="0" smtClean="0"/>
-              <a:t>析：聚类，协同过滤</a:t>
+              <a:t>：特征分析，关联分析</a:t>
             </a:r>
             <a:endParaRPr lang="en-US" altLang="zh-CN" dirty="0" smtClean="0"/>
           </a:p>
@@ -7736,11 +8281,7 @@
             </a:r>
             <a:r>
               <a:rPr lang="zh-CN" altLang="en-US" dirty="0" smtClean="0"/>
-              <a:t>据显</a:t>
-            </a:r>
-            <a:r>
-              <a:rPr lang="zh-CN" altLang="en-US" dirty="0" smtClean="0"/>
-              <a:t>示：可视化</a:t>
+              <a:t>据显示：可视化</a:t>
             </a:r>
             <a:endParaRPr lang="zh-CN" altLang="en-US" dirty="0"/>
           </a:p>
